--- a/21/beom/DatabaseRelation.pptx
+++ b/21/beom/DatabaseRelation.pptx
@@ -5837,9 +5837,6 @@
                     <p:cTn id="3" fill="hold">
                       <p:stCondLst>
                         <p:cond delay="indefinite"/>
-                        <p:cond evt="onBegin" delay="0">
-                          <p:tn val="2"/>
-                        </p:cond>
                       </p:stCondLst>
                       <p:childTnLst>
                         <p:par>
@@ -5849,7 +5846,7 @@
                             </p:stCondLst>
                             <p:childTnLst>
                               <p:par>
-                                <p:cTn id="5" presetID="1" presetClass="entr" presetSubtype="0" fill="hold" grpId="0" nodeType="withEffect">
+                                <p:cTn id="5" presetID="1" presetClass="entr" presetSubtype="0" fill="hold" grpId="0" nodeType="clickEffect">
                                   <p:stCondLst>
                                     <p:cond delay="0"/>
                                   </p:stCondLst>
@@ -6167,9 +6164,6 @@
                     <p:cTn id="3" fill="hold">
                       <p:stCondLst>
                         <p:cond delay="indefinite"/>
-                        <p:cond evt="onBegin" delay="0">
-                          <p:tn val="2"/>
-                        </p:cond>
                       </p:stCondLst>
                       <p:childTnLst>
                         <p:par>
@@ -6179,7 +6173,7 @@
                             </p:stCondLst>
                             <p:childTnLst>
                               <p:par>
-                                <p:cTn id="5" presetID="1" presetClass="entr" presetSubtype="0" fill="hold" grpId="0" nodeType="withEffect">
+                                <p:cTn id="5" presetID="1" presetClass="entr" presetSubtype="0" fill="hold" grpId="0" nodeType="clickEffect">
                                   <p:stCondLst>
                                     <p:cond delay="0"/>
                                   </p:stCondLst>
